--- a/Кесс 2.pptx
+++ b/Кесс 2.pptx
@@ -2308,48 +2308,6 @@
               <a:t>От проблемы к решению</a:t>
             </a:r>
             <a:endParaRPr lang="en-US" sz="4450" dirty="0"/>
-          </a:p>
-        </p:txBody>
-      </p:sp>
-      <p:sp>
-        <p:nvSpPr>
-          <p:cNvPr id="5" name="Text 2"/>
-          <p:cNvSpPr/>
-          <p:nvPr/>
-        </p:nvSpPr>
-        <p:spPr>
-          <a:xfrm>
-            <a:off x="758309" y="4979075"/>
-            <a:ext cx="7627382" cy="346710"/>
-          </a:xfrm>
-          <a:prstGeom prst="rect">
-            <a:avLst/>
-          </a:prstGeom>
-          <a:noFill/>
-          <a:ln/>
-        </p:spPr>
-        <p:txBody>
-          <a:bodyPr wrap="none" lIns="0" tIns="0" rIns="0" bIns="0" rtlCol="0" anchor="t"/>
-          <a:lstStyle/>
-          <a:p>
-            <a:pPr marL="0" indent="0" algn="l">
-              <a:lnSpc>
-                <a:spcPts val="2700"/>
-              </a:lnSpc>
-              <a:buNone/>
-            </a:pPr>
-            <a:r>
-              <a:rPr lang="en-US" sz="1700" dirty="0">
-                <a:solidFill>
-                  <a:srgbClr val="272525"/>
-                </a:solidFill>
-                <a:latin typeface="Montserrat" pitchFamily="34" charset="0"/>
-                <a:ea typeface="Montserrat" pitchFamily="34" charset="-122"/>
-                <a:cs typeface="Montserrat" pitchFamily="34" charset="-120"/>
-              </a:rPr>
-              <a:t>Автор: Ваше имя/группа</a:t>
-            </a:r>
-            <a:endParaRPr lang="en-US" sz="1700" dirty="0"/>
           </a:p>
         </p:txBody>
       </p:sp>
